--- a/extras/presentations/Land_Use_Change_Science_template_pnnl_task4.pptx
+++ b/extras/presentations/Land_Use_Change_Science_template_pnnl_task4.pptx
@@ -173,7 +173,7 @@
             </a:lvl1pPr>
           </a:lstStyle>
           <a:p>
-            <a:endParaRPr lang="en-US"/>
+            <a:endParaRPr lang="en-US" dirty="0"/>
           </a:p>
         </p:txBody>
       </p:sp>
@@ -214,7 +214,7 @@
               <a:rPr lang="en-US" smtClean="0"/>
               <a:t>9/19/2023</a:t>
             </a:fld>
-            <a:endParaRPr lang="en-US"/>
+            <a:endParaRPr lang="en-US" dirty="0"/>
           </a:p>
         </p:txBody>
       </p:sp>
@@ -252,7 +252,7 @@
           </a:lstStyle>
           <a:p>
             <a:r>
-              <a:rPr lang="en-US"/>
+              <a:rPr lang="en-US" dirty="0"/>
               <a:t>https://lcluc.umd.edu</a:t>
             </a:r>
           </a:p>
@@ -295,7 +295,7 @@
               <a:rPr lang="en-US" smtClean="0"/>
               <a:t>‹#›</a:t>
             </a:fld>
-            <a:endParaRPr lang="en-US"/>
+            <a:endParaRPr lang="en-US" dirty="0"/>
           </a:p>
         </p:txBody>
       </p:sp>
@@ -360,7 +360,7 @@
             </a:lvl1pPr>
           </a:lstStyle>
           <a:p>
-            <a:endParaRPr lang="en-US"/>
+            <a:endParaRPr lang="en-US" dirty="0"/>
           </a:p>
         </p:txBody>
       </p:sp>
@@ -395,7 +395,7 @@
               <a:rPr lang="en-US" smtClean="0"/>
               <a:t>9/19/2023</a:t>
             </a:fld>
-            <a:endParaRPr lang="en-US"/>
+            <a:endParaRPr lang="en-US" dirty="0"/>
           </a:p>
         </p:txBody>
       </p:sp>
@@ -428,7 +428,7 @@
           <a:bodyPr vert="horz" lIns="91440" tIns="45720" rIns="91440" bIns="45720" rtlCol="0" anchor="ctr"/>
           <a:lstStyle/>
           <a:p>
-            <a:endParaRPr lang="en-US"/>
+            <a:endParaRPr lang="en-US" dirty="0"/>
           </a:p>
         </p:txBody>
       </p:sp>
@@ -519,7 +519,7 @@
           </a:lstStyle>
           <a:p>
             <a:r>
-              <a:rPr lang="en-US"/>
+              <a:rPr lang="en-US" dirty="0"/>
               <a:t>https://lcluc.umd.edu</a:t>
             </a:r>
           </a:p>
@@ -556,7 +556,7 @@
               <a:rPr lang="en-US" smtClean="0"/>
               <a:t>‹#›</a:t>
             </a:fld>
-            <a:endParaRPr lang="en-US"/>
+            <a:endParaRPr lang="en-US" dirty="0"/>
           </a:p>
         </p:txBody>
       </p:sp>
@@ -797,7 +797,7 @@
               <a:rPr lang="en-US" smtClean="0"/>
               <a:t>9/19/2023</a:t>
             </a:fld>
-            <a:endParaRPr lang="en-US"/>
+            <a:endParaRPr lang="en-US" dirty="0"/>
           </a:p>
         </p:txBody>
       </p:sp>
@@ -817,7 +817,7 @@
           <a:lstStyle/>
           <a:p>
             <a:r>
-              <a:rPr lang="en-US"/>
+              <a:rPr lang="en-US" dirty="0"/>
               <a:t>https://lcluc.umd.edu</a:t>
             </a:r>
           </a:p>
@@ -842,7 +842,7 @@
               <a:rPr lang="en-US" smtClean="0"/>
               <a:t>‹#›</a:t>
             </a:fld>
-            <a:endParaRPr lang="en-US"/>
+            <a:endParaRPr lang="en-US" dirty="0"/>
           </a:p>
         </p:txBody>
       </p:sp>
@@ -970,7 +970,7 @@
               <a:rPr lang="en-US" smtClean="0"/>
               <a:t>9/19/2023</a:t>
             </a:fld>
-            <a:endParaRPr lang="en-US"/>
+            <a:endParaRPr lang="en-US" dirty="0"/>
           </a:p>
         </p:txBody>
       </p:sp>
@@ -990,7 +990,7 @@
           <a:lstStyle/>
           <a:p>
             <a:r>
-              <a:rPr lang="en-US"/>
+              <a:rPr lang="en-US" dirty="0"/>
               <a:t>https://lcluc.umd.edu</a:t>
             </a:r>
           </a:p>
@@ -1015,7 +1015,7 @@
               <a:rPr lang="en-US" smtClean="0"/>
               <a:t>‹#›</a:t>
             </a:fld>
-            <a:endParaRPr lang="en-US"/>
+            <a:endParaRPr lang="en-US" dirty="0"/>
           </a:p>
         </p:txBody>
       </p:sp>
@@ -1153,7 +1153,7 @@
               <a:rPr lang="en-US" smtClean="0"/>
               <a:t>9/19/2023</a:t>
             </a:fld>
-            <a:endParaRPr lang="en-US"/>
+            <a:endParaRPr lang="en-US" dirty="0"/>
           </a:p>
         </p:txBody>
       </p:sp>
@@ -1173,7 +1173,7 @@
           <a:lstStyle/>
           <a:p>
             <a:r>
-              <a:rPr lang="en-US"/>
+              <a:rPr lang="en-US" dirty="0"/>
               <a:t>https://lcluc.umd.edu</a:t>
             </a:r>
           </a:p>
@@ -1198,7 +1198,7 @@
               <a:rPr lang="en-US" smtClean="0"/>
               <a:t>‹#›</a:t>
             </a:fld>
-            <a:endParaRPr lang="en-US"/>
+            <a:endParaRPr lang="en-US" dirty="0"/>
           </a:p>
         </p:txBody>
       </p:sp>
@@ -1326,7 +1326,7 @@
               <a:rPr lang="en-US" smtClean="0"/>
               <a:t>9/19/2023</a:t>
             </a:fld>
-            <a:endParaRPr lang="en-US"/>
+            <a:endParaRPr lang="en-US" dirty="0"/>
           </a:p>
         </p:txBody>
       </p:sp>
@@ -1346,7 +1346,7 @@
           <a:lstStyle/>
           <a:p>
             <a:r>
-              <a:rPr lang="en-US"/>
+              <a:rPr lang="en-US" dirty="0"/>
               <a:t>https://lcluc.umd.edu</a:t>
             </a:r>
           </a:p>
@@ -1371,7 +1371,7 @@
               <a:rPr lang="en-US" smtClean="0"/>
               <a:t>‹#›</a:t>
             </a:fld>
-            <a:endParaRPr lang="en-US"/>
+            <a:endParaRPr lang="en-US" dirty="0"/>
           </a:p>
         </p:txBody>
       </p:sp>
@@ -1573,7 +1573,7 @@
               <a:rPr lang="en-US" smtClean="0"/>
               <a:t>9/19/2023</a:t>
             </a:fld>
-            <a:endParaRPr lang="en-US"/>
+            <a:endParaRPr lang="en-US" dirty="0"/>
           </a:p>
         </p:txBody>
       </p:sp>
@@ -1593,7 +1593,7 @@
           <a:lstStyle/>
           <a:p>
             <a:r>
-              <a:rPr lang="en-US"/>
+              <a:rPr lang="en-US" dirty="0"/>
               <a:t>https://lcluc.umd.edu</a:t>
             </a:r>
           </a:p>
@@ -1618,7 +1618,7 @@
               <a:rPr lang="en-US" smtClean="0"/>
               <a:t>‹#›</a:t>
             </a:fld>
-            <a:endParaRPr lang="en-US"/>
+            <a:endParaRPr lang="en-US" dirty="0"/>
           </a:p>
         </p:txBody>
       </p:sp>
@@ -1808,7 +1808,7 @@
               <a:rPr lang="en-US" smtClean="0"/>
               <a:t>9/19/2023</a:t>
             </a:fld>
-            <a:endParaRPr lang="en-US"/>
+            <a:endParaRPr lang="en-US" dirty="0"/>
           </a:p>
         </p:txBody>
       </p:sp>
@@ -1828,7 +1828,7 @@
           <a:lstStyle/>
           <a:p>
             <a:r>
-              <a:rPr lang="en-US"/>
+              <a:rPr lang="en-US" dirty="0"/>
               <a:t>https://lcluc.umd.edu</a:t>
             </a:r>
           </a:p>
@@ -1853,7 +1853,7 @@
               <a:rPr lang="en-US" smtClean="0"/>
               <a:t>‹#›</a:t>
             </a:fld>
-            <a:endParaRPr lang="en-US"/>
+            <a:endParaRPr lang="en-US" dirty="0"/>
           </a:p>
         </p:txBody>
       </p:sp>
@@ -2178,7 +2178,7 @@
               <a:rPr lang="en-US" smtClean="0"/>
               <a:t>9/19/2023</a:t>
             </a:fld>
-            <a:endParaRPr lang="en-US"/>
+            <a:endParaRPr lang="en-US" dirty="0"/>
           </a:p>
         </p:txBody>
       </p:sp>
@@ -2198,7 +2198,7 @@
           <a:lstStyle/>
           <a:p>
             <a:r>
-              <a:rPr lang="en-US"/>
+              <a:rPr lang="en-US" dirty="0"/>
               <a:t>https://lcluc.umd.edu</a:t>
             </a:r>
           </a:p>
@@ -2223,7 +2223,7 @@
               <a:rPr lang="en-US" smtClean="0"/>
               <a:t>‹#›</a:t>
             </a:fld>
-            <a:endParaRPr lang="en-US"/>
+            <a:endParaRPr lang="en-US" dirty="0"/>
           </a:p>
         </p:txBody>
       </p:sp>
@@ -2299,7 +2299,7 @@
               <a:rPr lang="en-US" smtClean="0"/>
               <a:t>9/19/2023</a:t>
             </a:fld>
-            <a:endParaRPr lang="en-US"/>
+            <a:endParaRPr lang="en-US" dirty="0"/>
           </a:p>
         </p:txBody>
       </p:sp>
@@ -2319,7 +2319,7 @@
           <a:lstStyle/>
           <a:p>
             <a:r>
-              <a:rPr lang="en-US"/>
+              <a:rPr lang="en-US" dirty="0"/>
               <a:t>https://lcluc.umd.edu</a:t>
             </a:r>
           </a:p>
@@ -2344,7 +2344,7 @@
               <a:rPr lang="en-US" smtClean="0"/>
               <a:t>‹#›</a:t>
             </a:fld>
-            <a:endParaRPr lang="en-US"/>
+            <a:endParaRPr lang="en-US" dirty="0"/>
           </a:p>
         </p:txBody>
       </p:sp>
@@ -2397,7 +2397,7 @@
               <a:rPr lang="en-US" smtClean="0"/>
               <a:t>9/19/2023</a:t>
             </a:fld>
-            <a:endParaRPr lang="en-US"/>
+            <a:endParaRPr lang="en-US" dirty="0"/>
           </a:p>
         </p:txBody>
       </p:sp>
@@ -2417,7 +2417,7 @@
           <a:lstStyle/>
           <a:p>
             <a:r>
-              <a:rPr lang="en-US"/>
+              <a:rPr lang="en-US" dirty="0"/>
               <a:t>https://lcluc.umd.edu</a:t>
             </a:r>
           </a:p>
@@ -2442,7 +2442,7 @@
               <a:rPr lang="en-US" smtClean="0"/>
               <a:t>‹#›</a:t>
             </a:fld>
-            <a:endParaRPr lang="en-US"/>
+            <a:endParaRPr lang="en-US" dirty="0"/>
           </a:p>
         </p:txBody>
       </p:sp>
@@ -2677,7 +2677,7 @@
               <a:rPr lang="en-US" smtClean="0"/>
               <a:t>9/19/2023</a:t>
             </a:fld>
-            <a:endParaRPr lang="en-US"/>
+            <a:endParaRPr lang="en-US" dirty="0"/>
           </a:p>
         </p:txBody>
       </p:sp>
@@ -2697,7 +2697,7 @@
           <a:lstStyle/>
           <a:p>
             <a:r>
-              <a:rPr lang="en-US"/>
+              <a:rPr lang="en-US" dirty="0"/>
               <a:t>https://lcluc.umd.edu</a:t>
             </a:r>
           </a:p>
@@ -2722,7 +2722,7 @@
               <a:rPr lang="en-US" smtClean="0"/>
               <a:t>‹#›</a:t>
             </a:fld>
-            <a:endParaRPr lang="en-US"/>
+            <a:endParaRPr lang="en-US" dirty="0"/>
           </a:p>
         </p:txBody>
       </p:sp>
@@ -2846,10 +2846,9 @@
           </a:lstStyle>
           <a:p>
             <a:r>
-              <a:rPr lang="en-US"/>
+              <a:rPr lang="en-US" dirty="0"/>
               <a:t>Click icon to add picture</a:t>
             </a:r>
-            <a:endParaRPr lang="en-US" dirty="0"/>
           </a:p>
         </p:txBody>
       </p:sp>
@@ -2937,7 +2936,7 @@
               <a:rPr lang="en-US" smtClean="0"/>
               <a:t>9/19/2023</a:t>
             </a:fld>
-            <a:endParaRPr lang="en-US"/>
+            <a:endParaRPr lang="en-US" dirty="0"/>
           </a:p>
         </p:txBody>
       </p:sp>
@@ -2957,7 +2956,7 @@
           <a:lstStyle/>
           <a:p>
             <a:r>
-              <a:rPr lang="en-US"/>
+              <a:rPr lang="en-US" dirty="0"/>
               <a:t>https://lcluc.umd.edu</a:t>
             </a:r>
           </a:p>
@@ -2982,7 +2981,7 @@
               <a:rPr lang="en-US" smtClean="0"/>
               <a:t>‹#›</a:t>
             </a:fld>
-            <a:endParaRPr lang="en-US"/>
+            <a:endParaRPr lang="en-US" dirty="0"/>
           </a:p>
         </p:txBody>
       </p:sp>
@@ -3153,7 +3152,7 @@
               <a:rPr lang="en-US" smtClean="0"/>
               <a:t>9/19/2023</a:t>
             </a:fld>
-            <a:endParaRPr lang="en-US"/>
+            <a:endParaRPr lang="en-US" dirty="0"/>
           </a:p>
         </p:txBody>
       </p:sp>
@@ -3191,7 +3190,7 @@
           </a:lstStyle>
           <a:p>
             <a:r>
-              <a:rPr lang="en-US"/>
+              <a:rPr lang="en-US" dirty="0"/>
               <a:t>https://lcluc.umd.edu</a:t>
             </a:r>
           </a:p>
@@ -3234,7 +3233,7 @@
               <a:rPr lang="en-US" smtClean="0"/>
               <a:t>‹#›</a:t>
             </a:fld>
-            <a:endParaRPr lang="en-US"/>
+            <a:endParaRPr lang="en-US" dirty="0"/>
           </a:p>
         </p:txBody>
       </p:sp>
@@ -3622,7 +3621,7 @@
             <a:p>
               <a:pPr algn="ctr"/>
               <a:r>
-                <a:rPr lang="en-US" sz="1100">
+                <a:rPr lang="en-US" sz="1100" dirty="0">
                   <a:effectLst/>
                   <a:latin typeface="Palatino Linotype" panose="02040502050505030304" pitchFamily="18" charset="0"/>
                   <a:ea typeface="Palatino Linotype" panose="02040502050505030304" pitchFamily="18" charset="0"/>
@@ -3762,31 +3761,7 @@
                 <a:ea typeface="Palatino Linotype" panose="02040502050505030304" pitchFamily="18" charset="0"/>
                 <a:cs typeface="Palatino Linotype" panose="02040502050505030304" pitchFamily="18" charset="0"/>
               </a:rPr>
-              <a:t>Task 4: Analyzing the building energy demand response and </a:t>
-            </a:r>
-            <a:r>
-              <a:rPr lang="en-US" sz="1100" dirty="0" err="1">
-                <a:solidFill>
-                  <a:srgbClr val="231F20"/>
-                </a:solidFill>
-                <a:effectLst/>
-                <a:latin typeface="Palatino Linotype" panose="02040502050505030304" pitchFamily="18" charset="0"/>
-                <a:ea typeface="Palatino Linotype" panose="02040502050505030304" pitchFamily="18" charset="0"/>
-                <a:cs typeface="Palatino Linotype" panose="02040502050505030304" pitchFamily="18" charset="0"/>
-              </a:rPr>
-              <a:t>corresponsing</a:t>
-            </a:r>
-            <a:r>
-              <a:rPr lang="en-US" sz="1100" dirty="0">
-                <a:solidFill>
-                  <a:srgbClr val="231F20"/>
-                </a:solidFill>
-                <a:effectLst/>
-                <a:latin typeface="Palatino Linotype" panose="02040502050505030304" pitchFamily="18" charset="0"/>
-                <a:ea typeface="Palatino Linotype" panose="02040502050505030304" pitchFamily="18" charset="0"/>
-                <a:cs typeface="Palatino Linotype" panose="02040502050505030304" pitchFamily="18" charset="0"/>
-              </a:rPr>
-              <a:t> implications for the wider energy system. </a:t>
+              <a:t>Task 4: Analyzing the building energy demand response and corresponding implications for the wider energy system. </a:t>
             </a:r>
             <a:endParaRPr lang="en-US" sz="1100" dirty="0"/>
           </a:p>
@@ -3929,29 +3904,7 @@
                 <a:ea typeface="Palatino Linotype" panose="02040502050505030304" pitchFamily="18" charset="0"/>
                 <a:cs typeface="Palatino Linotype" panose="02040502050505030304" pitchFamily="18" charset="0"/>
               </a:rPr>
-              <a:t>for temperature, building characteristics, population, and </a:t>
-            </a:r>
-            <a:r>
-              <a:rPr lang="en-US" sz="1100" spc="-15" dirty="0" err="1">
-                <a:solidFill>
-                  <a:srgbClr val="231F20"/>
-                </a:solidFill>
-                <a:latin typeface="Palatino Linotype" panose="02040502050505030304" pitchFamily="18" charset="0"/>
-                <a:ea typeface="Palatino Linotype" panose="02040502050505030304" pitchFamily="18" charset="0"/>
-                <a:cs typeface="Palatino Linotype" panose="02040502050505030304" pitchFamily="18" charset="0"/>
-              </a:rPr>
-              <a:t>behaviour</a:t>
-            </a:r>
-            <a:r>
-              <a:rPr lang="en-US" sz="1100" spc="-15" dirty="0">
-                <a:solidFill>
-                  <a:srgbClr val="231F20"/>
-                </a:solidFill>
-                <a:latin typeface="Palatino Linotype" panose="02040502050505030304" pitchFamily="18" charset="0"/>
-                <a:ea typeface="Palatino Linotype" panose="02040502050505030304" pitchFamily="18" charset="0"/>
-                <a:cs typeface="Palatino Linotype" panose="02040502050505030304" pitchFamily="18" charset="0"/>
-              </a:rPr>
-              <a:t> we are able to model the building energy demand response to UHI</a:t>
+              <a:t>for temperature, building characteristics, population, and behaviour we are able to model the building energy demand response to UHI</a:t>
             </a:r>
           </a:p>
           <a:p>
@@ -4105,7 +4058,7 @@
           <a:lstStyle/>
           <a:p>
             <a:pPr algn="ctr"/>
-            <a:endParaRPr lang="en-US"/>
+            <a:endParaRPr lang="en-US" dirty="0"/>
           </a:p>
         </p:txBody>
       </p:sp>
@@ -4627,7 +4580,7 @@
             </a:bodyPr>
             <a:lstStyle/>
             <a:p>
-              <a:endParaRPr lang="en-US"/>
+              <a:endParaRPr lang="en-US" dirty="0"/>
             </a:p>
           </p:txBody>
         </p:sp>
@@ -5020,7 +4973,7 @@
             </a:bodyPr>
             <a:lstStyle/>
             <a:p>
-              <a:endParaRPr lang="en-US"/>
+              <a:endParaRPr lang="en-US" dirty="0"/>
             </a:p>
           </p:txBody>
         </p:sp>
@@ -5412,7 +5365,7 @@
             </a:bodyPr>
             <a:lstStyle/>
             <a:p>
-              <a:endParaRPr lang="en-US"/>
+              <a:endParaRPr lang="en-US" dirty="0"/>
             </a:p>
           </p:txBody>
         </p:sp>
@@ -5804,7 +5757,7 @@
             </a:bodyPr>
             <a:lstStyle/>
             <a:p>
-              <a:endParaRPr lang="en-US"/>
+              <a:endParaRPr lang="en-US" dirty="0"/>
             </a:p>
           </p:txBody>
         </p:sp>
@@ -6099,23 +6052,7 @@
                 <a:ea typeface="Calibri" panose="020F0502020204030204" pitchFamily="34" charset="0"/>
                 <a:cs typeface="Times New Roman" panose="02020603050405020304" pitchFamily="18" charset="0"/>
               </a:rPr>
-              <a:t>Khan, Z. Iyer, G. Patel, P., Kim, S., Hejazi, M., Burleyson, C. &amp; Wise, M. Impacts of long-term temperature change and variability on electricity investments. Nat. </a:t>
-            </a:r>
-            <a:r>
-              <a:rPr lang="en-US" sz="1000" dirty="0" err="1">
-                <a:latin typeface="Palatino Linotype" panose="02040502050505030304" pitchFamily="18" charset="0"/>
-                <a:ea typeface="Calibri" panose="020F0502020204030204" pitchFamily="34" charset="0"/>
-                <a:cs typeface="Times New Roman" panose="02020603050405020304" pitchFamily="18" charset="0"/>
-              </a:rPr>
-              <a:t>Commun</a:t>
-            </a:r>
-            <a:r>
-              <a:rPr lang="en-US" sz="1000" dirty="0">
-                <a:latin typeface="Palatino Linotype" panose="02040502050505030304" pitchFamily="18" charset="0"/>
-                <a:ea typeface="Calibri" panose="020F0502020204030204" pitchFamily="34" charset="0"/>
-                <a:cs typeface="Times New Roman" panose="02020603050405020304" pitchFamily="18" charset="0"/>
-              </a:rPr>
-              <a:t>., 2021, 12(1), pp. 1-12.</a:t>
+              <a:t>Khan, Z. Iyer, G. Patel, P., Kim, S., Hejazi, M., Burleyson, C. &amp; Wise, M. Impacts of long-term temperature change and variability on electricity investments. Nat. Commun., 2021, 12(1), pp. 1-12.</a:t>
             </a:r>
             <a:endParaRPr lang="en-US" sz="1000" i="1" dirty="0">
               <a:latin typeface="Palatino Linotype" panose="02040502050505030304" pitchFamily="18" charset="0"/>
